--- a/presentation_.pptx
+++ b/presentation_.pptx
@@ -10538,7 +10538,7 @@
           </p:cNvPicPr>
           <p:nvPr/>
         </p:nvPicPr>
-        <p:blipFill>
+        <p:blipFill rotWithShape="1">
           <a:blip r:embed="rId2">
             <a:extLst>
               <a:ext uri="{28A0092B-C50C-407E-A947-70E740481C1C}">
@@ -10546,14 +10546,13 @@
               </a:ext>
             </a:extLst>
           </a:blip>
-          <a:stretch>
-            <a:fillRect/>
-          </a:stretch>
+          <a:srcRect l="3726" t="6250" r="16667" b="5253"/>
+          <a:stretch/>
         </p:blipFill>
         <p:spPr>
           <a:xfrm>
-            <a:off x="-228600" y="-76200"/>
-            <a:ext cx="10972800" cy="7315200"/>
+            <a:off x="1" y="98632"/>
+            <a:ext cx="9116096" cy="6756148"/>
           </a:xfrm>
           <a:prstGeom prst="rect">
             <a:avLst/>
